--- a/Day1_IntroR_FMData/00_Introduction.pptx
+++ b/Day1_IntroR_FMData/00_Introduction.pptx
@@ -277,7 +277,7 @@
               <a:pPr>
                 <a:defRPr/>
               </a:pPr>
-              <a:t>11/11/2014</a:t>
+              <a:t>3/1/2015</a:t>
             </a:fld>
             <a:endParaRPr lang="en-US"/>
           </a:p>
@@ -1223,7 +1223,7 @@
             </a:pPr>
             <a:r>
               <a:rPr lang="en-US" smtClean="0"/>
-              <a:t>DNR Statewide Meeting  ●  Wisconsin Dells, WI  ●  2 March 2015</a:t>
+              <a:t>WIDNR FM Database  ●  Madison, WI  ●  4-5 March 2015</a:t>
             </a:r>
             <a:endParaRPr lang="en-US"/>
           </a:p>
@@ -1427,7 +1427,7 @@
             </a:pPr>
             <a:r>
               <a:rPr lang="en-US" smtClean="0"/>
-              <a:t>DNR Statewide Meeting  ●  Wisconsin Dells, WI  ●  2 March 2015</a:t>
+              <a:t>WIDNR FM Database  ●  Madison, WI  ●  4-5 March 2015</a:t>
             </a:r>
             <a:endParaRPr lang="en-US"/>
           </a:p>
@@ -1606,8 +1606,8 @@
               <a:defRPr/>
             </a:pPr>
             <a:r>
-              <a:rPr lang="en-US" smtClean="0"/>
-              <a:t>DNR Statewide Meeting  ●  Wisconsin Dells, WI  ●  2 March 2015</a:t>
+              <a:rPr lang="en-US" dirty="0" smtClean="0"/>
+              <a:t>WIDNR FM Database  ●  Madison, WI  ●  4-5 March 2015</a:t>
             </a:r>
             <a:endParaRPr lang="en-US" dirty="0"/>
           </a:p>
@@ -1877,7 +1877,7 @@
             </a:pPr>
             <a:r>
               <a:rPr lang="en-US" smtClean="0"/>
-              <a:t>DNR Statewide Meeting  ●  Wisconsin Dells, WI  ●  2 March 2015</a:t>
+              <a:t>WIDNR FM Database  ●  Madison, WI  ●  4-5 March 2015</a:t>
             </a:r>
             <a:endParaRPr lang="en-US"/>
           </a:p>
@@ -2189,7 +2189,7 @@
             </a:pPr>
             <a:r>
               <a:rPr lang="en-US" smtClean="0"/>
-              <a:t>DNR Statewide Meeting  ●  Wisconsin Dells, WI  ●  2 March 2015</a:t>
+              <a:t>WIDNR FM Database  ●  Madison, WI  ●  4-5 March 2015</a:t>
             </a:r>
             <a:endParaRPr lang="en-US"/>
           </a:p>
@@ -2635,7 +2635,7 @@
             </a:pPr>
             <a:r>
               <a:rPr lang="en-US" smtClean="0"/>
-              <a:t>DNR Statewide Meeting  ●  Wisconsin Dells, WI  ●  2 March 2015</a:t>
+              <a:t>WIDNR FM Database  ●  Madison, WI  ●  4-5 March 2015</a:t>
             </a:r>
             <a:endParaRPr lang="en-US"/>
           </a:p>
@@ -2777,7 +2777,7 @@
             </a:pPr>
             <a:r>
               <a:rPr lang="en-US" smtClean="0"/>
-              <a:t>DNR Statewide Meeting  ●  Wisconsin Dells, WI  ●  2 March 2015</a:t>
+              <a:t>WIDNR FM Database  ●  Madison, WI  ●  4-5 March 2015</a:t>
             </a:r>
             <a:endParaRPr lang="en-US"/>
           </a:p>
@@ -2896,7 +2896,7 @@
             </a:pPr>
             <a:r>
               <a:rPr lang="en-US" smtClean="0"/>
-              <a:t>DNR Statewide Meeting  ●  Wisconsin Dells, WI  ●  2 March 2015</a:t>
+              <a:t>WIDNR FM Database  ●  Madison, WI  ●  4-5 March 2015</a:t>
             </a:r>
             <a:endParaRPr lang="en-US"/>
           </a:p>
@@ -3197,7 +3197,7 @@
             </a:pPr>
             <a:r>
               <a:rPr lang="en-US" smtClean="0"/>
-              <a:t>DNR Statewide Meeting  ●  Wisconsin Dells, WI  ●  2 March 2015</a:t>
+              <a:t>WIDNR FM Database  ●  Madison, WI  ●  4-5 March 2015</a:t>
             </a:r>
             <a:endParaRPr lang="en-US"/>
           </a:p>
@@ -3477,7 +3477,7 @@
             </a:pPr>
             <a:r>
               <a:rPr lang="en-US" smtClean="0"/>
-              <a:t>DNR Statewide Meeting  ●  Wisconsin Dells, WI  ●  2 March 2015</a:t>
+              <a:t>WIDNR FM Database  ●  Madison, WI  ●  4-5 March 2015</a:t>
             </a:r>
             <a:endParaRPr lang="en-US"/>
           </a:p>
@@ -3814,7 +3814,7 @@
             </a:pPr>
             <a:r>
               <a:rPr lang="en-US" smtClean="0"/>
-              <a:t>DNR Statewide Meeting  ●  Wisconsin Dells, WI  ●  2 March 2015</a:t>
+              <a:t>WIDNR FM Database  ●  Madison, WI  ●  4-5 March 2015</a:t>
             </a:r>
             <a:endParaRPr lang="en-US"/>
           </a:p>
@@ -4370,8 +4370,8 @@
         </p:nvSpPr>
         <p:spPr>
           <a:xfrm>
-            <a:off x="381000" y="3200400"/>
-            <a:ext cx="8229600" cy="2819400"/>
+            <a:off x="381000" y="2819400"/>
+            <a:ext cx="8229600" cy="3886200"/>
           </a:xfrm>
         </p:spPr>
         <p:txBody>
@@ -4387,27 +4387,27 @@
               <a:defRPr/>
             </a:pPr>
             <a:r>
-              <a:rPr lang="en-US" sz="3600" b="1" dirty="0" smtClean="0">
+              <a:rPr lang="en-US" sz="4000" b="1" dirty="0" smtClean="0">
                 <a:solidFill>
                   <a:schemeClr val="bg2">
                     <a:lumMod val="25000"/>
                   </a:schemeClr>
                 </a:solidFill>
               </a:rPr>
-              <a:t>Dr</a:t>
-            </a:r>
-            <a:r>
-              <a:rPr lang="en-US" sz="3600" b="1" dirty="0">
+              <a:t>Derek </a:t>
+            </a:r>
+            <a:r>
+              <a:rPr lang="en-US" sz="4000" b="1" dirty="0">
                 <a:solidFill>
                   <a:schemeClr val="bg2">
                     <a:lumMod val="25000"/>
                   </a:schemeClr>
                 </a:solidFill>
               </a:rPr>
-              <a:t>. Derek H. Ogle, Northland </a:t>
-            </a:r>
-            <a:r>
-              <a:rPr lang="en-US" sz="3600" b="1" dirty="0" smtClean="0">
+              <a:t>H. Ogle, Northland </a:t>
+            </a:r>
+            <a:r>
+              <a:rPr lang="en-US" sz="4000" b="1" dirty="0" smtClean="0">
                 <a:solidFill>
                   <a:schemeClr val="bg2">
                     <a:lumMod val="25000"/>
@@ -4425,14 +4425,34 @@
               <a:defRPr/>
             </a:pPr>
             <a:r>
-              <a:rPr lang="en-US" sz="3600" b="1" dirty="0" smtClean="0">
+              <a:rPr lang="en-US" b="1" dirty="0" smtClean="0">
                 <a:solidFill>
                   <a:schemeClr val="bg2">
                     <a:lumMod val="25000"/>
                   </a:schemeClr>
                 </a:solidFill>
               </a:rPr>
-              <a:t>Dr. Gretchen Hansen, WDNR</a:t>
+              <a:t>Gretchen </a:t>
+            </a:r>
+            <a:r>
+              <a:rPr lang="en-US" b="1" dirty="0" smtClean="0">
+                <a:solidFill>
+                  <a:schemeClr val="bg2">
+                    <a:lumMod val="25000"/>
+                  </a:schemeClr>
+                </a:solidFill>
+              </a:rPr>
+              <a:t>Hansen, </a:t>
+            </a:r>
+            <a:r>
+              <a:rPr lang="en-US" b="1" dirty="0" smtClean="0">
+                <a:solidFill>
+                  <a:schemeClr val="bg2">
+                    <a:lumMod val="25000"/>
+                  </a:schemeClr>
+                </a:solidFill>
+              </a:rPr>
+              <a:t>WDNR</a:t>
             </a:r>
           </a:p>
           <a:p>
@@ -4443,15 +4463,22 @@
               <a:defRPr/>
             </a:pPr>
             <a:r>
-              <a:rPr lang="en-US" sz="3600" b="1" dirty="0" smtClean="0">
+              <a:rPr lang="en-US" b="1" dirty="0" smtClean="0">
                 <a:solidFill>
                   <a:schemeClr val="bg2">
                     <a:lumMod val="25000"/>
                   </a:schemeClr>
                 </a:solidFill>
               </a:rPr>
-              <a:t>Lori Tate, WDNR</a:t>
-            </a:r>
+              <a:t>Zach Lawson, WDNR</a:t>
+            </a:r>
+            <a:endParaRPr lang="en-US" b="1" dirty="0" smtClean="0">
+              <a:solidFill>
+                <a:schemeClr val="bg2">
+                  <a:lumMod val="25000"/>
+                </a:schemeClr>
+              </a:solidFill>
+            </a:endParaRPr>
           </a:p>
           <a:p>
             <a:pPr algn="l" eaLnBrk="1" fontAlgn="auto" hangingPunct="1">
@@ -4461,7 +4488,60 @@
               <a:defRPr/>
             </a:pPr>
             <a:r>
-              <a:rPr lang="en-US" sz="3600" b="1" dirty="0" smtClean="0">
+              <a:rPr lang="en-US" b="1" dirty="0" smtClean="0">
+                <a:solidFill>
+                  <a:schemeClr val="bg2">
+                    <a:lumMod val="25000"/>
+                  </a:schemeClr>
+                </a:solidFill>
+              </a:rPr>
+              <a:t>Lori Tate, </a:t>
+            </a:r>
+            <a:r>
+              <a:rPr lang="en-US" b="1" dirty="0" smtClean="0">
+                <a:solidFill>
+                  <a:schemeClr val="bg2">
+                    <a:lumMod val="25000"/>
+                  </a:schemeClr>
+                </a:solidFill>
+              </a:rPr>
+              <a:t>WDNR</a:t>
+            </a:r>
+          </a:p>
+          <a:p>
+            <a:pPr algn="l" eaLnBrk="1" fontAlgn="auto" hangingPunct="1">
+              <a:spcAft>
+                <a:spcPts val="0"/>
+              </a:spcAft>
+              <a:defRPr/>
+            </a:pPr>
+            <a:r>
+              <a:rPr lang="en-US" b="1" dirty="0" smtClean="0">
+                <a:solidFill>
+                  <a:schemeClr val="bg2">
+                    <a:lumMod val="25000"/>
+                  </a:schemeClr>
+                </a:solidFill>
+              </a:rPr>
+              <a:t>Ted Treska, USFWS</a:t>
+            </a:r>
+            <a:endParaRPr lang="en-US" b="1" dirty="0" smtClean="0">
+              <a:solidFill>
+                <a:schemeClr val="bg2">
+                  <a:lumMod val="25000"/>
+                </a:schemeClr>
+              </a:solidFill>
+            </a:endParaRPr>
+          </a:p>
+          <a:p>
+            <a:pPr algn="l" eaLnBrk="1" fontAlgn="auto" hangingPunct="1">
+              <a:spcAft>
+                <a:spcPts val="0"/>
+              </a:spcAft>
+              <a:defRPr/>
+            </a:pPr>
+            <a:r>
+              <a:rPr lang="en-US" b="1" dirty="0" smtClean="0">
                 <a:solidFill>
                   <a:schemeClr val="bg2">
                     <a:lumMod val="25000"/>
@@ -4471,7 +4551,7 @@
               <a:t>Max </a:t>
             </a:r>
             <a:r>
-              <a:rPr lang="en-US" sz="3600" b="1" dirty="0" err="1" smtClean="0">
+              <a:rPr lang="en-US" b="1" dirty="0" err="1" smtClean="0">
                 <a:solidFill>
                   <a:schemeClr val="bg2">
                     <a:lumMod val="25000"/>
@@ -4481,7 +4561,7 @@
               <a:t>Wolter</a:t>
             </a:r>
             <a:r>
-              <a:rPr lang="en-US" sz="3600" b="1" dirty="0" smtClean="0">
+              <a:rPr lang="en-US" b="1" dirty="0" smtClean="0">
                 <a:solidFill>
                   <a:schemeClr val="bg2">
                     <a:lumMod val="25000"/>
@@ -4498,7 +4578,7 @@
               </a:spcAft>
               <a:defRPr/>
             </a:pPr>
-            <a:endParaRPr lang="en-US" sz="3600" b="1" dirty="0">
+            <a:endParaRPr lang="en-US" b="1" dirty="0">
               <a:solidFill>
                 <a:schemeClr val="bg2">
                   <a:lumMod val="25000"/>
@@ -4617,7 +4697,7 @@
             </a:pPr>
             <a:r>
               <a:rPr lang="en-US" smtClean="0"/>
-              <a:t>DNR Statewide Meeting  ●  Wisconsin Dells, WI  ●  2 March 2015</a:t>
+              <a:t>WIDNR FM Database  ●  Madison, WI  ●  4-5 March 2015</a:t>
             </a:r>
             <a:endParaRPr lang="en-US"/>
           </a:p>
@@ -4799,15 +4879,7 @@
             </a:pPr>
             <a:r>
               <a:rPr lang="en-US" dirty="0" smtClean="0"/>
-              <a:t>Help pages </a:t>
-            </a:r>
-            <a:r>
-              <a:rPr lang="en-US" dirty="0" smtClean="0"/>
-              <a:t>and error messages are </a:t>
-            </a:r>
-            <a:r>
-              <a:rPr lang="en-US" dirty="0" smtClean="0"/>
-              <a:t>often terse</a:t>
+              <a:t>Help pages and error messages are often terse</a:t>
             </a:r>
           </a:p>
           <a:p>
@@ -4824,13 +4896,6 @@
               </a:rPr>
               <a:t>Somewhat mitigated by web resources (e.g., Stack Exchange)</a:t>
             </a:r>
-            <a:endParaRPr lang="en-US" i="1" dirty="0" smtClean="0">
-              <a:solidFill>
-                <a:schemeClr val="bg2">
-                  <a:lumMod val="50000"/>
-                </a:schemeClr>
-              </a:solidFill>
-            </a:endParaRPr>
           </a:p>
           <a:p>
             <a:pPr eaLnBrk="1" hangingPunct="1">
@@ -4925,7 +4990,7 @@
             </a:pPr>
             <a:r>
               <a:rPr lang="en-US" smtClean="0"/>
-              <a:t>DNR Statewide Meeting  ●  Wisconsin Dells, WI  ●  2 March 2015</a:t>
+              <a:t>WIDNR FM Database  ●  Madison, WI  ●  4-5 March 2015</a:t>
             </a:r>
             <a:endParaRPr lang="en-US"/>
           </a:p>
@@ -6074,7 +6139,7 @@
             </a:pPr>
             <a:r>
               <a:rPr lang="en-US" smtClean="0"/>
-              <a:t>DNR Statewide Meeting  ●  Wisconsin Dells, WI  ●  2 March 2015</a:t>
+              <a:t>WIDNR FM Database  ●  Madison, WI  ●  4-5 March 2015</a:t>
             </a:r>
             <a:endParaRPr lang="en-US"/>
           </a:p>
@@ -6622,7 +6687,7 @@
             </a:pPr>
             <a:r>
               <a:rPr lang="en-US" smtClean="0"/>
-              <a:t>DNR Statewide Meeting  ●  Wisconsin Dells, WI  ●  2 March 2015</a:t>
+              <a:t>WIDNR FM Database  ●  Madison, WI  ●  4-5 March 2015</a:t>
             </a:r>
             <a:endParaRPr lang="en-US"/>
           </a:p>
@@ -6978,7 +7043,7 @@
             </a:pPr>
             <a:r>
               <a:rPr lang="en-US" smtClean="0"/>
-              <a:t>DNR Statewide Meeting  ●  Wisconsin Dells, WI  ●  2 March 2015</a:t>
+              <a:t>WIDNR FM Database  ●  Madison, WI  ●  4-5 March 2015</a:t>
             </a:r>
             <a:endParaRPr lang="en-US"/>
           </a:p>
@@ -7649,7 +7714,7 @@
             </a:pPr>
             <a:r>
               <a:rPr lang="en-US" smtClean="0"/>
-              <a:t>DNR Statewide Meeting  ●  Wisconsin Dells, WI  ●  2 March 2015</a:t>
+              <a:t>WIDNR FM Database  ●  Madison, WI  ●  4-5 March 2015</a:t>
             </a:r>
             <a:endParaRPr lang="en-US"/>
           </a:p>
@@ -8059,7 +8124,7 @@
                   </a:schemeClr>
                 </a:solidFill>
               </a:rPr>
-              <a:t>DNR Statewide Meeting  ●  Wisconsin Dells, WI  ●  2 March 2015</a:t>
+              <a:t>WIDNR FM Database  ●  Madison, WI  ●  4-5 March 2015</a:t>
             </a:r>
             <a:endParaRPr lang="en-US" sz="1400" dirty="0">
               <a:solidFill>
@@ -8080,9 +8145,111 @@
   <p:timing>
     <p:tnLst>
       <p:par>
-        <p:cTn id="1" dur="indefinite" restart="never" nodeType="tmRoot"/>
+        <p:cTn id="1" dur="indefinite" restart="never" nodeType="tmRoot">
+          <p:childTnLst>
+            <p:seq concurrent="1" nextAc="seek">
+              <p:cTn id="2" dur="indefinite" nodeType="mainSeq">
+                <p:childTnLst>
+                  <p:par>
+                    <p:cTn id="3" fill="hold">
+                      <p:stCondLst>
+                        <p:cond delay="indefinite"/>
+                      </p:stCondLst>
+                      <p:childTnLst>
+                        <p:par>
+                          <p:cTn id="4" fill="hold">
+                            <p:stCondLst>
+                              <p:cond delay="0"/>
+                            </p:stCondLst>
+                            <p:childTnLst>
+                              <p:par>
+                                <p:cTn id="5" presetID="1" presetClass="entr" presetSubtype="0" fill="hold" grpId="0" nodeType="clickEffect">
+                                  <p:stCondLst>
+                                    <p:cond delay="0"/>
+                                  </p:stCondLst>
+                                  <p:childTnLst>
+                                    <p:set>
+                                      <p:cBhvr>
+                                        <p:cTn id="6" dur="1" fill="hold">
+                                          <p:stCondLst>
+                                            <p:cond delay="0"/>
+                                          </p:stCondLst>
+                                        </p:cTn>
+                                        <p:tgtEl>
+                                          <p:spTgt spid="3">
+                                            <p:txEl>
+                                              <p:pRg st="2" end="2"/>
+                                            </p:txEl>
+                                          </p:spTgt>
+                                        </p:tgtEl>
+                                        <p:attrNameLst>
+                                          <p:attrName>style.visibility</p:attrName>
+                                        </p:attrNameLst>
+                                      </p:cBhvr>
+                                      <p:to>
+                                        <p:strVal val="visible"/>
+                                      </p:to>
+                                    </p:set>
+                                  </p:childTnLst>
+                                </p:cTn>
+                              </p:par>
+                              <p:par>
+                                <p:cTn id="7" presetID="1" presetClass="entr" presetSubtype="0" fill="hold" nodeType="withEffect">
+                                  <p:stCondLst>
+                                    <p:cond delay="0"/>
+                                  </p:stCondLst>
+                                  <p:childTnLst>
+                                    <p:set>
+                                      <p:cBhvr>
+                                        <p:cTn id="8" dur="1" fill="hold">
+                                          <p:stCondLst>
+                                            <p:cond delay="0"/>
+                                          </p:stCondLst>
+                                        </p:cTn>
+                                        <p:tgtEl>
+                                          <p:spTgt spid="4"/>
+                                        </p:tgtEl>
+                                        <p:attrNameLst>
+                                          <p:attrName>style.visibility</p:attrName>
+                                        </p:attrNameLst>
+                                      </p:cBhvr>
+                                      <p:to>
+                                        <p:strVal val="visible"/>
+                                      </p:to>
+                                    </p:set>
+                                  </p:childTnLst>
+                                </p:cTn>
+                              </p:par>
+                            </p:childTnLst>
+                          </p:cTn>
+                        </p:par>
+                      </p:childTnLst>
+                    </p:cTn>
+                  </p:par>
+                </p:childTnLst>
+              </p:cTn>
+              <p:prevCondLst>
+                <p:cond evt="onPrev" delay="0">
+                  <p:tgtEl>
+                    <p:sldTgt/>
+                  </p:tgtEl>
+                </p:cond>
+              </p:prevCondLst>
+              <p:nextCondLst>
+                <p:cond evt="onNext" delay="0">
+                  <p:tgtEl>
+                    <p:sldTgt/>
+                  </p:tgtEl>
+                </p:cond>
+              </p:nextCondLst>
+            </p:seq>
+          </p:childTnLst>
+        </p:cTn>
       </p:par>
     </p:tnLst>
+    <p:bldLst>
+      <p:bldP spid="3" grpId="0" uiExpand="1" build="p"/>
+    </p:bldLst>
   </p:timing>
 </p:sld>
 </file>
@@ -8426,7 +8593,7 @@
             </a:pPr>
             <a:r>
               <a:rPr lang="en-US" smtClean="0"/>
-              <a:t>DNR Statewide Meeting  ●  Wisconsin Dells, WI  ●  2 March 2015</a:t>
+              <a:t>WIDNR FM Database  ●  Madison, WI  ●  4-5 March 2015</a:t>
             </a:r>
             <a:endParaRPr lang="en-US"/>
           </a:p>
@@ -8580,15 +8747,33 @@
                                   </p:subTnLst>
                                 </p:cTn>
                               </p:par>
+                            </p:childTnLst>
+                          </p:cTn>
+                        </p:par>
+                      </p:childTnLst>
+                    </p:cTn>
+                  </p:par>
+                  <p:par>
+                    <p:cTn id="11" fill="hold">
+                      <p:stCondLst>
+                        <p:cond delay="indefinite"/>
+                      </p:stCondLst>
+                      <p:childTnLst>
+                        <p:par>
+                          <p:cTn id="12" fill="hold">
+                            <p:stCondLst>
+                              <p:cond delay="0"/>
+                            </p:stCondLst>
+                            <p:childTnLst>
                               <p:par>
-                                <p:cTn id="11" presetID="1" presetClass="entr" presetSubtype="0" fill="hold" grpId="0" nodeType="withEffect">
+                                <p:cTn id="13" presetID="1" presetClass="entr" presetSubtype="0" fill="hold" grpId="0" nodeType="clickEffect">
                                   <p:stCondLst>
                                     <p:cond delay="0"/>
                                   </p:stCondLst>
                                   <p:childTnLst>
                                     <p:set>
                                       <p:cBhvr>
-                                        <p:cTn id="12" dur="1" fill="hold">
+                                        <p:cTn id="14" dur="1" fill="hold">
                                           <p:stCondLst>
                                             <p:cond delay="0"/>
                                           </p:stCondLst>
@@ -8638,26 +8823,26 @@
                     </p:cTn>
                   </p:par>
                   <p:par>
-                    <p:cTn id="13" fill="hold">
+                    <p:cTn id="15" fill="hold">
                       <p:stCondLst>
                         <p:cond delay="indefinite"/>
                       </p:stCondLst>
                       <p:childTnLst>
                         <p:par>
-                          <p:cTn id="14" fill="hold">
+                          <p:cTn id="16" fill="hold">
                             <p:stCondLst>
                               <p:cond delay="0"/>
                             </p:stCondLst>
                             <p:childTnLst>
                               <p:par>
-                                <p:cTn id="15" presetID="1" presetClass="entr" presetSubtype="0" fill="hold" grpId="0" nodeType="clickEffect">
+                                <p:cTn id="17" presetID="1" presetClass="entr" presetSubtype="0" fill="hold" grpId="0" nodeType="clickEffect">
                                   <p:stCondLst>
                                     <p:cond delay="0"/>
                                   </p:stCondLst>
                                   <p:childTnLst>
                                     <p:set>
                                       <p:cBhvr>
-                                        <p:cTn id="16" dur="1" fill="hold">
+                                        <p:cTn id="18" dur="1" fill="hold">
                                           <p:stCondLst>
                                             <p:cond delay="0"/>
                                           </p:stCondLst>
@@ -8707,26 +8892,26 @@
                     </p:cTn>
                   </p:par>
                   <p:par>
-                    <p:cTn id="17" fill="hold">
+                    <p:cTn id="19" fill="hold">
                       <p:stCondLst>
                         <p:cond delay="indefinite"/>
                       </p:stCondLst>
                       <p:childTnLst>
                         <p:par>
-                          <p:cTn id="18" fill="hold">
+                          <p:cTn id="20" fill="hold">
                             <p:stCondLst>
                               <p:cond delay="0"/>
                             </p:stCondLst>
                             <p:childTnLst>
                               <p:par>
-                                <p:cTn id="19" presetID="1" presetClass="entr" presetSubtype="0" fill="hold" grpId="0" nodeType="clickEffect">
+                                <p:cTn id="21" presetID="1" presetClass="entr" presetSubtype="0" fill="hold" grpId="0" nodeType="clickEffect">
                                   <p:stCondLst>
                                     <p:cond delay="0"/>
                                   </p:stCondLst>
                                   <p:childTnLst>
                                     <p:set>
                                       <p:cBhvr>
-                                        <p:cTn id="20" dur="1" fill="hold">
+                                        <p:cTn id="22" dur="1" fill="hold">
                                           <p:stCondLst>
                                             <p:cond delay="0"/>
                                           </p:stCondLst>
@@ -9116,7 +9301,7 @@
             </a:pPr>
             <a:r>
               <a:rPr lang="en-US" smtClean="0"/>
-              <a:t>DNR Statewide Meeting  ●  Wisconsin Dells, WI  ●  2 March 2015</a:t>
+              <a:t>WIDNR FM Database  ●  Madison, WI  ●  4-5 March 2015</a:t>
             </a:r>
             <a:endParaRPr lang="en-US"/>
           </a:p>
@@ -9581,7 +9766,7 @@
             </a:pPr>
             <a:r>
               <a:rPr lang="en-US" smtClean="0"/>
-              <a:t>DNR Statewide Meeting  ●  Wisconsin Dells, WI  ●  2 March 2015</a:t>
+              <a:t>WIDNR FM Database  ●  Madison, WI  ●  4-5 March 2015</a:t>
             </a:r>
             <a:endParaRPr lang="en-US"/>
           </a:p>
@@ -10039,7 +10224,7 @@
             </a:pPr>
             <a:r>
               <a:rPr lang="en-US" smtClean="0"/>
-              <a:t>DNR Statewide Meeting  ●  Wisconsin Dells, WI  ●  2 March 2015</a:t>
+              <a:t>WIDNR FM Database  ●  Madison, WI  ●  4-5 March 2015</a:t>
             </a:r>
             <a:endParaRPr lang="en-US"/>
           </a:p>
@@ -10387,7 +10572,7 @@
             </a:pPr>
             <a:r>
               <a:rPr lang="en-US" smtClean="0"/>
-              <a:t>DNR Statewide Meeting  ●  Wisconsin Dells, WI  ●  2 March 2015</a:t>
+              <a:t>WIDNR FM Database  ●  Madison, WI  ●  4-5 March 2015</a:t>
             </a:r>
             <a:endParaRPr lang="en-US"/>
           </a:p>
@@ -10615,6 +10800,18 @@
               </a:rPr>
               <a:t>Reproducibility</a:t>
             </a:r>
+          </a:p>
+          <a:p>
+            <a:pPr lvl="1" eaLnBrk="1" hangingPunct="1"/>
+            <a:r>
+              <a:rPr lang="en-US" dirty="0" smtClean="0">
+                <a:latin typeface="Calibri" pitchFamily="34" charset="0"/>
+              </a:rPr>
+              <a:t>Re-Use</a:t>
+            </a:r>
+            <a:endParaRPr lang="en-US" dirty="0" smtClean="0">
+              <a:latin typeface="Calibri" pitchFamily="34" charset="0"/>
+            </a:endParaRPr>
           </a:p>
           <a:p>
             <a:pPr lvl="1" eaLnBrk="1" hangingPunct="1"/>
@@ -11296,33 +11493,15 @@
                                   </p:subTnLst>
                                 </p:cTn>
                               </p:par>
-                            </p:childTnLst>
-                          </p:cTn>
-                        </p:par>
-                      </p:childTnLst>
-                    </p:cTn>
-                  </p:par>
-                  <p:par>
-                    <p:cTn id="33" fill="hold">
-                      <p:stCondLst>
-                        <p:cond delay="indefinite"/>
-                      </p:stCondLst>
-                      <p:childTnLst>
-                        <p:par>
-                          <p:cTn id="34" fill="hold">
-                            <p:stCondLst>
-                              <p:cond delay="0"/>
-                            </p:stCondLst>
-                            <p:childTnLst>
                               <p:par>
-                                <p:cTn id="35" presetID="1" presetClass="entr" presetSubtype="0" fill="hold" grpId="0" nodeType="clickEffect">
+                                <p:cTn id="33" presetID="1" presetClass="entr" presetSubtype="0" fill="hold" nodeType="withEffect">
                                   <p:stCondLst>
                                     <p:cond delay="0"/>
                                   </p:stCondLst>
                                   <p:childTnLst>
                                     <p:set>
                                       <p:cBhvr>
-                                        <p:cTn id="36" dur="1" fill="hold">
+                                        <p:cTn id="34" dur="1" fill="hold">
                                           <p:stCondLst>
                                             <p:cond delay="0"/>
                                           </p:stCondLst>
@@ -11330,7 +11509,7 @@
                                         <p:tgtEl>
                                           <p:spTgt spid="7">
                                             <p:txEl>
-                                              <p:pRg st="4" end="4"/>
+                                              <p:pRg st="3" end="3"/>
                                             </p:txEl>
                                           </p:spTgt>
                                         </p:tgtEl>
@@ -11343,10 +11522,48 @@
                                       </p:to>
                                     </p:set>
                                   </p:childTnLst>
+                                  <p:subTnLst>
+                                    <p:animClr clrSpc="rgb" dir="cw">
+                                      <p:cBhvr override="childStyle">
+                                        <p:cTn dur="1" fill="hold" display="0" masterRel="nextClick" afterEffect="1"/>
+                                        <p:tgtEl>
+                                          <p:spTgt spid="7">
+                                            <p:txEl>
+                                              <p:pRg st="3" end="3"/>
+                                            </p:txEl>
+                                          </p:spTgt>
+                                        </p:tgtEl>
+                                        <p:attrNameLst>
+                                          <p:attrName>ppt_c</p:attrName>
+                                        </p:attrNameLst>
+                                      </p:cBhvr>
+                                      <p:to>
+                                        <a:srgbClr val="969696"/>
+                                      </p:to>
+                                    </p:animClr>
+                                  </p:subTnLst>
                                 </p:cTn>
                               </p:par>
+                            </p:childTnLst>
+                          </p:cTn>
+                        </p:par>
+                      </p:childTnLst>
+                    </p:cTn>
+                  </p:par>
+                  <p:par>
+                    <p:cTn id="35" fill="hold">
+                      <p:stCondLst>
+                        <p:cond delay="indefinite"/>
+                      </p:stCondLst>
+                      <p:childTnLst>
+                        <p:par>
+                          <p:cTn id="36" fill="hold">
+                            <p:stCondLst>
+                              <p:cond delay="0"/>
+                            </p:stCondLst>
+                            <p:childTnLst>
                               <p:par>
-                                <p:cTn id="37" presetID="1" presetClass="entr" presetSubtype="0" fill="hold" grpId="0" nodeType="withEffect">
+                                <p:cTn id="37" presetID="1" presetClass="entr" presetSubtype="0" fill="hold" grpId="0" nodeType="clickEffect">
                                   <p:stCondLst>
                                     <p:cond delay="0"/>
                                   </p:stCondLst>
@@ -11393,6 +11610,37 @@
                                           <p:spTgt spid="7">
                                             <p:txEl>
                                               <p:pRg st="6" end="6"/>
+                                            </p:txEl>
+                                          </p:spTgt>
+                                        </p:tgtEl>
+                                        <p:attrNameLst>
+                                          <p:attrName>style.visibility</p:attrName>
+                                        </p:attrNameLst>
+                                      </p:cBhvr>
+                                      <p:to>
+                                        <p:strVal val="visible"/>
+                                      </p:to>
+                                    </p:set>
+                                  </p:childTnLst>
+                                </p:cTn>
+                              </p:par>
+                              <p:par>
+                                <p:cTn id="41" presetID="1" presetClass="entr" presetSubtype="0" fill="hold" grpId="0" nodeType="withEffect">
+                                  <p:stCondLst>
+                                    <p:cond delay="0"/>
+                                  </p:stCondLst>
+                                  <p:childTnLst>
+                                    <p:set>
+                                      <p:cBhvr>
+                                        <p:cTn id="42" dur="1" fill="hold">
+                                          <p:stCondLst>
+                                            <p:cond delay="0"/>
+                                          </p:stCondLst>
+                                        </p:cTn>
+                                        <p:tgtEl>
+                                          <p:spTgt spid="7">
+                                            <p:txEl>
+                                              <p:pRg st="7" end="7"/>
                                             </p:txEl>
                                           </p:spTgt>
                                         </p:tgtEl>
@@ -11817,9 +12065,10 @@
                 <a:defRPr/>
               </a:pPr>
               <a:r>
-                <a:rPr lang="en-US" dirty="0"/>
-                <a:t>.</a:t>
+                <a:rPr lang="en-US" dirty="0" smtClean="0"/>
+                <a:t>…</a:t>
               </a:r>
+              <a:endParaRPr lang="en-US" dirty="0"/>
             </a:p>
             <a:p>
               <a:pPr algn="ctr">
@@ -11835,18 +12084,13 @@
               </a:r>
               <a:r>
                 <a:rPr lang="en-US" i="1" dirty="0" smtClean="0"/>
-                <a:t>1Nov14)</a:t>
+                <a:t>1Nov14</a:t>
+              </a:r>
+              <a:r>
+                <a:rPr lang="en-US" i="1" dirty="0" smtClean="0"/>
+                <a:t>)</a:t>
               </a:r>
               <a:endParaRPr lang="en-US" i="1" dirty="0"/>
-            </a:p>
-            <a:p>
-              <a:pPr algn="ctr">
-                <a:defRPr/>
-              </a:pPr>
-              <a:r>
-                <a:rPr lang="en-US" dirty="0"/>
-                <a:t>.</a:t>
-              </a:r>
             </a:p>
           </p:txBody>
         </p:sp>
@@ -11972,17 +12216,7 @@
               </a:pPr>
               <a:r>
                 <a:rPr lang="en-US" dirty="0" err="1" smtClean="0"/>
-                <a:t>FSAdata</a:t>
-              </a:r>
-              <a:endParaRPr lang="en-US" dirty="0"/>
-            </a:p>
-            <a:p>
-              <a:pPr algn="ctr">
-                <a:defRPr/>
-              </a:pPr>
-              <a:r>
-                <a:rPr lang="en-US" dirty="0" err="1" smtClean="0"/>
-                <a:t>NCStats</a:t>
+                <a:t>fishWiDNR</a:t>
               </a:r>
               <a:endParaRPr lang="en-US" dirty="0" smtClean="0"/>
             </a:p>
@@ -11991,9 +12225,10 @@
                 <a:defRPr/>
               </a:pPr>
               <a:r>
-                <a:rPr lang="en-US" dirty="0"/>
-                <a:t>.</a:t>
+                <a:rPr lang="en-US" dirty="0" smtClean="0"/>
+                <a:t>…</a:t>
               </a:r>
+              <a:endParaRPr lang="en-US" dirty="0"/>
             </a:p>
             <a:p>
               <a:pPr algn="ctr">
@@ -12008,18 +12243,10 @@
                 <a:t>your package here</a:t>
               </a:r>
               <a:r>
-                <a:rPr lang="en-US" dirty="0"/>
+                <a:rPr lang="en-US" dirty="0" smtClean="0"/>
                 <a:t>)</a:t>
               </a:r>
-            </a:p>
-            <a:p>
-              <a:pPr algn="ctr">
-                <a:defRPr/>
-              </a:pPr>
-              <a:r>
-                <a:rPr lang="en-US" dirty="0"/>
-                <a:t>.</a:t>
-              </a:r>
+              <a:endParaRPr lang="en-US" dirty="0"/>
             </a:p>
           </p:txBody>
         </p:sp>
@@ -12243,7 +12470,7 @@
             </a:pPr>
             <a:r>
               <a:rPr lang="en-US" smtClean="0"/>
-              <a:t>DNR Statewide Meeting  ●  Wisconsin Dells, WI  ●  2 March 2015</a:t>
+              <a:t>WIDNR FM Database  ●  Madison, WI  ●  4-5 March 2015</a:t>
             </a:r>
             <a:endParaRPr lang="en-US"/>
           </a:p>
@@ -12594,7 +12821,7 @@
             </a:pPr>
             <a:r>
               <a:rPr lang="en-US" smtClean="0"/>
-              <a:t>DNR Statewide Meeting  ●  Wisconsin Dells, WI  ●  2 March 2015</a:t>
+              <a:t>WIDNR FM Database  ●  Madison, WI  ●  4-5 March 2015</a:t>
             </a:r>
             <a:endParaRPr lang="en-US"/>
           </a:p>

--- a/Day1_IntroR_FMData/00_Introduction.pptx
+++ b/Day1_IntroR_FMData/00_Introduction.pptx
@@ -277,7 +277,7 @@
               <a:pPr>
                 <a:defRPr/>
               </a:pPr>
-              <a:t>3/1/2015</a:t>
+              <a:t>3/4/2015</a:t>
             </a:fld>
             <a:endParaRPr lang="en-US"/>
           </a:p>
@@ -4370,8 +4370,8 @@
         </p:nvSpPr>
         <p:spPr>
           <a:xfrm>
-            <a:off x="381000" y="2819400"/>
-            <a:ext cx="8229600" cy="3886200"/>
+            <a:off x="381000" y="3352800"/>
+            <a:ext cx="8229600" cy="3200400"/>
           </a:xfrm>
         </p:spPr>
         <p:txBody>
@@ -4432,27 +4432,7 @@
                   </a:schemeClr>
                 </a:solidFill>
               </a:rPr>
-              <a:t>Gretchen </a:t>
-            </a:r>
-            <a:r>
-              <a:rPr lang="en-US" b="1" dirty="0" smtClean="0">
-                <a:solidFill>
-                  <a:schemeClr val="bg2">
-                    <a:lumMod val="25000"/>
-                  </a:schemeClr>
-                </a:solidFill>
-              </a:rPr>
-              <a:t>Hansen, </a:t>
-            </a:r>
-            <a:r>
-              <a:rPr lang="en-US" b="1" dirty="0" smtClean="0">
-                <a:solidFill>
-                  <a:schemeClr val="bg2">
-                    <a:lumMod val="25000"/>
-                  </a:schemeClr>
-                </a:solidFill>
-              </a:rPr>
-              <a:t>WDNR</a:t>
+              <a:t>Gretchen Hansen, WDNR</a:t>
             </a:r>
           </a:p>
           <a:p>
@@ -4472,13 +4452,6 @@
               </a:rPr>
               <a:t>Zach Lawson, WDNR</a:t>
             </a:r>
-            <a:endParaRPr lang="en-US" b="1" dirty="0" smtClean="0">
-              <a:solidFill>
-                <a:schemeClr val="bg2">
-                  <a:lumMod val="25000"/>
-                </a:schemeClr>
-              </a:solidFill>
-            </a:endParaRPr>
           </a:p>
           <a:p>
             <a:pPr algn="l" eaLnBrk="1" fontAlgn="auto" hangingPunct="1">
@@ -4495,43 +4468,8 @@
                   </a:schemeClr>
                 </a:solidFill>
               </a:rPr>
-              <a:t>Lori Tate, </a:t>
-            </a:r>
-            <a:r>
-              <a:rPr lang="en-US" b="1" dirty="0" smtClean="0">
-                <a:solidFill>
-                  <a:schemeClr val="bg2">
-                    <a:lumMod val="25000"/>
-                  </a:schemeClr>
-                </a:solidFill>
-              </a:rPr>
-              <a:t>WDNR</a:t>
-            </a:r>
-          </a:p>
-          <a:p>
-            <a:pPr algn="l" eaLnBrk="1" fontAlgn="auto" hangingPunct="1">
-              <a:spcAft>
-                <a:spcPts val="0"/>
-              </a:spcAft>
-              <a:defRPr/>
-            </a:pPr>
-            <a:r>
-              <a:rPr lang="en-US" b="1" dirty="0" smtClean="0">
-                <a:solidFill>
-                  <a:schemeClr val="bg2">
-                    <a:lumMod val="25000"/>
-                  </a:schemeClr>
-                </a:solidFill>
-              </a:rPr>
-              <a:t>Ted Treska, USFWS</a:t>
-            </a:r>
-            <a:endParaRPr lang="en-US" b="1" dirty="0" smtClean="0">
-              <a:solidFill>
-                <a:schemeClr val="bg2">
-                  <a:lumMod val="25000"/>
-                </a:schemeClr>
-              </a:solidFill>
-            </a:endParaRPr>
+              <a:t>Lori Tate, WDNR</a:t>
+            </a:r>
           </a:p>
           <a:p>
             <a:pPr algn="l" eaLnBrk="1" fontAlgn="auto" hangingPunct="1">
@@ -4889,8 +4827,8 @@
             <a:r>
               <a:rPr lang="en-US" i="1" dirty="0" smtClean="0">
                 <a:solidFill>
-                  <a:schemeClr val="bg2">
-                    <a:lumMod val="50000"/>
+                  <a:schemeClr val="accent1">
+                    <a:lumMod val="75000"/>
                   </a:schemeClr>
                 </a:solidFill>
               </a:rPr>
@@ -7814,7 +7752,15 @@
             <a:pPr eaLnBrk="1" hangingPunct="1"/>
             <a:r>
               <a:rPr lang="en-US" dirty="0" smtClean="0"/>
-              <a:t>M.S. and Ph.D. in Fisheries with minor in Statistics from University of Minnesota</a:t>
+              <a:t>M.S. and Ph.D. in Fisheries </a:t>
+            </a:r>
+            <a:r>
+              <a:rPr lang="en-US" dirty="0" smtClean="0"/>
+              <a:t>from </a:t>
+            </a:r>
+            <a:r>
+              <a:rPr lang="en-US" dirty="0" smtClean="0"/>
+              <a:t>University of Minnesota</a:t>
             </a:r>
           </a:p>
         </p:txBody>
@@ -10809,9 +10755,6 @@
               </a:rPr>
               <a:t>Re-Use</a:t>
             </a:r>
-            <a:endParaRPr lang="en-US" dirty="0" smtClean="0">
-              <a:latin typeface="Calibri" pitchFamily="34" charset="0"/>
-            </a:endParaRPr>
           </a:p>
           <a:p>
             <a:pPr lvl="1" eaLnBrk="1" hangingPunct="1"/>
@@ -12084,11 +12027,7 @@
               </a:r>
               <a:r>
                 <a:rPr lang="en-US" i="1" dirty="0" smtClean="0"/>
-                <a:t>1Nov14</a:t>
-              </a:r>
-              <a:r>
-                <a:rPr lang="en-US" i="1" dirty="0" smtClean="0"/>
-                <a:t>)</a:t>
+                <a:t>1Nov14)</a:t>
               </a:r>
               <a:endParaRPr lang="en-US" i="1" dirty="0"/>
             </a:p>
